--- a/trunk/Predstavitev/Vmesna predstavitev.pptx
+++ b/trunk/Predstavitev/Vmesna predstavitev.pptx
@@ -222,7 +222,7 @@
             <a:fld id="{64B78B4D-8F4C-42E0-B07B-FE4821B95A53}" type="datetimeFigureOut">
               <a:rPr lang="sl-SI" smtClean="0"/>
               <a:pPr/>
-              <a:t>11.12.2011</a:t>
+              <a:t>12.12.2011</a:t>
             </a:fld>
             <a:endParaRPr lang="sl-SI"/>
           </a:p>
@@ -450,7 +450,7 @@
             <a:fld id="{64B78B4D-8F4C-42E0-B07B-FE4821B95A53}" type="datetimeFigureOut">
               <a:rPr lang="sl-SI" smtClean="0"/>
               <a:pPr/>
-              <a:t>11.12.2011</a:t>
+              <a:t>12.12.2011</a:t>
             </a:fld>
             <a:endParaRPr lang="sl-SI"/>
           </a:p>
@@ -627,7 +627,7 @@
             <a:fld id="{64B78B4D-8F4C-42E0-B07B-FE4821B95A53}" type="datetimeFigureOut">
               <a:rPr lang="sl-SI" smtClean="0"/>
               <a:pPr/>
-              <a:t>11.12.2011</a:t>
+              <a:t>12.12.2011</a:t>
             </a:fld>
             <a:endParaRPr lang="sl-SI"/>
           </a:p>
@@ -794,7 +794,7 @@
             <a:fld id="{64B78B4D-8F4C-42E0-B07B-FE4821B95A53}" type="datetimeFigureOut">
               <a:rPr lang="sl-SI" smtClean="0"/>
               <a:pPr/>
-              <a:t>11.12.2011</a:t>
+              <a:t>12.12.2011</a:t>
             </a:fld>
             <a:endParaRPr lang="sl-SI"/>
           </a:p>
@@ -1040,7 +1040,7 @@
             <a:fld id="{64B78B4D-8F4C-42E0-B07B-FE4821B95A53}" type="datetimeFigureOut">
               <a:rPr lang="sl-SI" smtClean="0"/>
               <a:pPr/>
-              <a:t>11.12.2011</a:t>
+              <a:t>12.12.2011</a:t>
             </a:fld>
             <a:endParaRPr lang="sl-SI"/>
           </a:p>
@@ -1306,7 +1306,7 @@
             <a:fld id="{64B78B4D-8F4C-42E0-B07B-FE4821B95A53}" type="datetimeFigureOut">
               <a:rPr lang="sl-SI" smtClean="0"/>
               <a:pPr/>
-              <a:t>11.12.2011</a:t>
+              <a:t>12.12.2011</a:t>
             </a:fld>
             <a:endParaRPr lang="sl-SI"/>
           </a:p>
@@ -1682,7 +1682,7 @@
             <a:fld id="{64B78B4D-8F4C-42E0-B07B-FE4821B95A53}" type="datetimeFigureOut">
               <a:rPr lang="sl-SI" smtClean="0"/>
               <a:pPr/>
-              <a:t>11.12.2011</a:t>
+              <a:t>12.12.2011</a:t>
             </a:fld>
             <a:endParaRPr lang="sl-SI"/>
           </a:p>
@@ -1797,7 +1797,7 @@
             <a:fld id="{64B78B4D-8F4C-42E0-B07B-FE4821B95A53}" type="datetimeFigureOut">
               <a:rPr lang="sl-SI" smtClean="0"/>
               <a:pPr/>
-              <a:t>11.12.2011</a:t>
+              <a:t>12.12.2011</a:t>
             </a:fld>
             <a:endParaRPr lang="sl-SI"/>
           </a:p>
@@ -1889,7 +1889,7 @@
             <a:fld id="{64B78B4D-8F4C-42E0-B07B-FE4821B95A53}" type="datetimeFigureOut">
               <a:rPr lang="sl-SI" smtClean="0"/>
               <a:pPr/>
-              <a:t>11.12.2011</a:t>
+              <a:t>12.12.2011</a:t>
             </a:fld>
             <a:endParaRPr lang="sl-SI"/>
           </a:p>
@@ -2149,7 +2149,7 @@
             <a:fld id="{64B78B4D-8F4C-42E0-B07B-FE4821B95A53}" type="datetimeFigureOut">
               <a:rPr lang="sl-SI" smtClean="0"/>
               <a:pPr/>
-              <a:t>11.12.2011</a:t>
+              <a:t>12.12.2011</a:t>
             </a:fld>
             <a:endParaRPr lang="sl-SI"/>
           </a:p>
@@ -2415,7 +2415,7 @@
             <a:fld id="{64B78B4D-8F4C-42E0-B07B-FE4821B95A53}" type="datetimeFigureOut">
               <a:rPr lang="sl-SI" smtClean="0"/>
               <a:pPr/>
-              <a:t>11.12.2011</a:t>
+              <a:t>12.12.2011</a:t>
             </a:fld>
             <a:endParaRPr lang="sl-SI"/>
           </a:p>
@@ -2634,7 +2634,7 @@
             <a:fld id="{64B78B4D-8F4C-42E0-B07B-FE4821B95A53}" type="datetimeFigureOut">
               <a:rPr lang="sl-SI" smtClean="0"/>
               <a:pPr/>
-              <a:t>11.12.2011</a:t>
+              <a:t>12.12.2011</a:t>
             </a:fld>
             <a:endParaRPr lang="sl-SI"/>
           </a:p>
@@ -3133,13 +3133,22 @@
           <a:p>
             <a:r>
               <a:rPr lang="sl-SI" dirty="0" smtClean="0"/>
-              <a:t>Miran Levar</a:t>
-            </a:r>
-          </a:p>
-          <a:p>
+              <a:t>Miran </a:t>
+            </a:r>
             <a:r>
               <a:rPr lang="sl-SI" dirty="0" smtClean="0"/>
-              <a:t>Alan Lukežič</a:t>
+              <a:t>Levar, 63090369</a:t>
+            </a:r>
+            <a:endParaRPr lang="sl-SI" dirty="0" smtClean="0"/>
+          </a:p>
+          <a:p>
+            <a:r>
+              <a:rPr lang="sl-SI" dirty="0" smtClean="0"/>
+              <a:t>Alan </a:t>
+            </a:r>
+            <a:r>
+              <a:rPr lang="sl-SI" dirty="0" smtClean="0"/>
+              <a:t>Lukežič, 63090089</a:t>
             </a:r>
             <a:endParaRPr lang="sl-SI" dirty="0"/>
           </a:p>
@@ -3820,14 +3829,26 @@
           <a:p>
             <a:r>
               <a:rPr lang="sl-SI" dirty="0" smtClean="0"/>
-              <a:t>Delovanje orožja</a:t>
-            </a:r>
-          </a:p>
-          <a:p>
+              <a:t>Delovanje </a:t>
+            </a:r>
             <a:r>
               <a:rPr lang="sl-SI" dirty="0" smtClean="0"/>
-              <a:t>Štetje točk</a:t>
-            </a:r>
+              <a:t>orožja</a:t>
+            </a:r>
+          </a:p>
+          <a:p>
+            <a:r>
+              <a:rPr lang="sl-SI" dirty="0" err="1" smtClean="0"/>
+              <a:t>Timer</a:t>
+            </a:r>
+            <a:endParaRPr lang="sl-SI" dirty="0" smtClean="0"/>
+          </a:p>
+          <a:p>
+            <a:r>
+              <a:rPr lang="sl-SI" dirty="0" smtClean="0"/>
+              <a:t>HUD</a:t>
+            </a:r>
+            <a:endParaRPr lang="sl-SI" dirty="0" smtClean="0"/>
           </a:p>
           <a:p>
             <a:r>
@@ -3837,8 +3858,18 @@
           </a:p>
           <a:p>
             <a:r>
-              <a:rPr lang="sl-SI" smtClean="0"/>
-              <a:t>Animacija ob premikanju živali</a:t>
+              <a:rPr lang="sl-SI" dirty="0" smtClean="0"/>
+              <a:t>Animacija ob premikanju </a:t>
+            </a:r>
+            <a:r>
+              <a:rPr lang="sl-SI" dirty="0" smtClean="0"/>
+              <a:t>živali</a:t>
+            </a:r>
+          </a:p>
+          <a:p>
+            <a:r>
+              <a:rPr lang="sl-SI" dirty="0" err="1" smtClean="0"/>
+              <a:t>Gameplay</a:t>
             </a:r>
             <a:endParaRPr lang="sl-SI" dirty="0" smtClean="0"/>
           </a:p>

--- a/trunk/Predstavitev/Vmesna predstavitev.pptx
+++ b/trunk/Predstavitev/Vmesna predstavitev.pptx
@@ -9,6 +9,7 @@
     <p:sldId id="257" r:id="rId3"/>
     <p:sldId id="258" r:id="rId4"/>
     <p:sldId id="259" r:id="rId5"/>
+    <p:sldId id="260" r:id="rId6"/>
   </p:sldIdLst>
   <p:sldSz cx="9144000" cy="6858000" type="screen4x3"/>
   <p:notesSz cx="6858000" cy="9144000"/>
@@ -222,7 +223,7 @@
             <a:fld id="{64B78B4D-8F4C-42E0-B07B-FE4821B95A53}" type="datetimeFigureOut">
               <a:rPr lang="sl-SI" smtClean="0"/>
               <a:pPr/>
-              <a:t>12.12.2011</a:t>
+              <a:t>19.1.2012</a:t>
             </a:fld>
             <a:endParaRPr lang="sl-SI"/>
           </a:p>
@@ -450,7 +451,7 @@
             <a:fld id="{64B78B4D-8F4C-42E0-B07B-FE4821B95A53}" type="datetimeFigureOut">
               <a:rPr lang="sl-SI" smtClean="0"/>
               <a:pPr/>
-              <a:t>12.12.2011</a:t>
+              <a:t>19.1.2012</a:t>
             </a:fld>
             <a:endParaRPr lang="sl-SI"/>
           </a:p>
@@ -627,7 +628,7 @@
             <a:fld id="{64B78B4D-8F4C-42E0-B07B-FE4821B95A53}" type="datetimeFigureOut">
               <a:rPr lang="sl-SI" smtClean="0"/>
               <a:pPr/>
-              <a:t>12.12.2011</a:t>
+              <a:t>19.1.2012</a:t>
             </a:fld>
             <a:endParaRPr lang="sl-SI"/>
           </a:p>
@@ -794,7 +795,7 @@
             <a:fld id="{64B78B4D-8F4C-42E0-B07B-FE4821B95A53}" type="datetimeFigureOut">
               <a:rPr lang="sl-SI" smtClean="0"/>
               <a:pPr/>
-              <a:t>12.12.2011</a:t>
+              <a:t>19.1.2012</a:t>
             </a:fld>
             <a:endParaRPr lang="sl-SI"/>
           </a:p>
@@ -1040,7 +1041,7 @@
             <a:fld id="{64B78B4D-8F4C-42E0-B07B-FE4821B95A53}" type="datetimeFigureOut">
               <a:rPr lang="sl-SI" smtClean="0"/>
               <a:pPr/>
-              <a:t>12.12.2011</a:t>
+              <a:t>19.1.2012</a:t>
             </a:fld>
             <a:endParaRPr lang="sl-SI"/>
           </a:p>
@@ -1306,7 +1307,7 @@
             <a:fld id="{64B78B4D-8F4C-42E0-B07B-FE4821B95A53}" type="datetimeFigureOut">
               <a:rPr lang="sl-SI" smtClean="0"/>
               <a:pPr/>
-              <a:t>12.12.2011</a:t>
+              <a:t>19.1.2012</a:t>
             </a:fld>
             <a:endParaRPr lang="sl-SI"/>
           </a:p>
@@ -1682,7 +1683,7 @@
             <a:fld id="{64B78B4D-8F4C-42E0-B07B-FE4821B95A53}" type="datetimeFigureOut">
               <a:rPr lang="sl-SI" smtClean="0"/>
               <a:pPr/>
-              <a:t>12.12.2011</a:t>
+              <a:t>19.1.2012</a:t>
             </a:fld>
             <a:endParaRPr lang="sl-SI"/>
           </a:p>
@@ -1797,7 +1798,7 @@
             <a:fld id="{64B78B4D-8F4C-42E0-B07B-FE4821B95A53}" type="datetimeFigureOut">
               <a:rPr lang="sl-SI" smtClean="0"/>
               <a:pPr/>
-              <a:t>12.12.2011</a:t>
+              <a:t>19.1.2012</a:t>
             </a:fld>
             <a:endParaRPr lang="sl-SI"/>
           </a:p>
@@ -1889,7 +1890,7 @@
             <a:fld id="{64B78B4D-8F4C-42E0-B07B-FE4821B95A53}" type="datetimeFigureOut">
               <a:rPr lang="sl-SI" smtClean="0"/>
               <a:pPr/>
-              <a:t>12.12.2011</a:t>
+              <a:t>19.1.2012</a:t>
             </a:fld>
             <a:endParaRPr lang="sl-SI"/>
           </a:p>
@@ -2149,7 +2150,7 @@
             <a:fld id="{64B78B4D-8F4C-42E0-B07B-FE4821B95A53}" type="datetimeFigureOut">
               <a:rPr lang="sl-SI" smtClean="0"/>
               <a:pPr/>
-              <a:t>12.12.2011</a:t>
+              <a:t>19.1.2012</a:t>
             </a:fld>
             <a:endParaRPr lang="sl-SI"/>
           </a:p>
@@ -2415,7 +2416,7 @@
             <a:fld id="{64B78B4D-8F4C-42E0-B07B-FE4821B95A53}" type="datetimeFigureOut">
               <a:rPr lang="sl-SI" smtClean="0"/>
               <a:pPr/>
-              <a:t>12.12.2011</a:t>
+              <a:t>19.1.2012</a:t>
             </a:fld>
             <a:endParaRPr lang="sl-SI"/>
           </a:p>
@@ -2634,7 +2635,7 @@
             <a:fld id="{64B78B4D-8F4C-42E0-B07B-FE4821B95A53}" type="datetimeFigureOut">
               <a:rPr lang="sl-SI" smtClean="0"/>
               <a:pPr/>
-              <a:t>12.12.2011</a:t>
+              <a:t>19.1.2012</a:t>
             </a:fld>
             <a:endParaRPr lang="sl-SI"/>
           </a:p>
@@ -3133,22 +3134,13 @@
           <a:p>
             <a:r>
               <a:rPr lang="sl-SI" dirty="0" smtClean="0"/>
-              <a:t>Miran </a:t>
-            </a:r>
+              <a:t>Miran Levar, 63090369</a:t>
+            </a:r>
+          </a:p>
+          <a:p>
             <a:r>
               <a:rPr lang="sl-SI" dirty="0" smtClean="0"/>
-              <a:t>Levar, 63090369</a:t>
-            </a:r>
-            <a:endParaRPr lang="sl-SI" dirty="0" smtClean="0"/>
-          </a:p>
-          <a:p>
-            <a:r>
-              <a:rPr lang="sl-SI" dirty="0" smtClean="0"/>
-              <a:t>Alan </a:t>
-            </a:r>
-            <a:r>
-              <a:rPr lang="sl-SI" dirty="0" smtClean="0"/>
-              <a:t>Lukežič, 63090089</a:t>
+              <a:t>Alan Lukežič, 63090089</a:t>
             </a:r>
             <a:endParaRPr lang="sl-SI" dirty="0"/>
           </a:p>
@@ -3793,6 +3785,34 @@
             <p:ph type="title"/>
           </p:nvPr>
         </p:nvSpPr>
+        <p:spPr>
+          <a:xfrm>
+            <a:off x="467544" y="350865"/>
+            <a:ext cx="8229600" cy="1143000"/>
+          </a:xfrm>
+        </p:spPr>
+        <p:txBody>
+          <a:bodyPr/>
+          <a:lstStyle/>
+          <a:p>
+            <a:r>
+              <a:rPr lang="sl-SI" dirty="0" smtClean="0"/>
+              <a:t>Kaj je manjkalo?</a:t>
+            </a:r>
+            <a:endParaRPr lang="sl-SI" dirty="0"/>
+          </a:p>
+        </p:txBody>
+      </p:sp>
+      <p:sp>
+        <p:nvSpPr>
+          <p:cNvPr id="3" name="Ograda vsebine 2"/>
+          <p:cNvSpPr>
+            <a:spLocks noGrp="1"/>
+          </p:cNvSpPr>
+          <p:nvPr>
+            <p:ph idx="1"/>
+          </p:nvPr>
+        </p:nvSpPr>
         <p:spPr/>
         <p:txBody>
           <a:bodyPr/>
@@ -3800,40 +3820,18 @@
           <a:p>
             <a:r>
               <a:rPr lang="sl-SI" dirty="0" smtClean="0"/>
-              <a:t>Kaj še manjka?</a:t>
-            </a:r>
-            <a:endParaRPr lang="sl-SI" dirty="0"/>
-          </a:p>
-        </p:txBody>
-      </p:sp>
-      <p:sp>
-        <p:nvSpPr>
-          <p:cNvPr id="3" name="Ograda vsebine 2"/>
-          <p:cNvSpPr>
-            <a:spLocks noGrp="1"/>
-          </p:cNvSpPr>
-          <p:nvPr>
-            <p:ph idx="1"/>
-          </p:nvPr>
-        </p:nvSpPr>
-        <p:spPr/>
-        <p:txBody>
-          <a:bodyPr/>
-          <a:lstStyle/>
-          <a:p>
+              <a:t>Detekcija </a:t>
+            </a:r>
             <a:r>
               <a:rPr lang="sl-SI" dirty="0" smtClean="0"/>
-              <a:t>Detekcija trkov</a:t>
-            </a:r>
+              <a:t>trkov      </a:t>
+            </a:r>
+            <a:endParaRPr lang="sl-SI" dirty="0" smtClean="0"/>
           </a:p>
           <a:p>
             <a:r>
               <a:rPr lang="sl-SI" dirty="0" smtClean="0"/>
-              <a:t>Delovanje </a:t>
-            </a:r>
-            <a:r>
-              <a:rPr lang="sl-SI" dirty="0" smtClean="0"/>
-              <a:t>orožja</a:t>
+              <a:t>Delovanje orožja</a:t>
             </a:r>
           </a:p>
           <a:p>
@@ -3848,7 +3846,6 @@
               <a:rPr lang="sl-SI" dirty="0" smtClean="0"/>
               <a:t>HUD</a:t>
             </a:r>
-            <a:endParaRPr lang="sl-SI" dirty="0" smtClean="0"/>
           </a:p>
           <a:p>
             <a:r>
@@ -3858,16 +3855,6 @@
           </a:p>
           <a:p>
             <a:r>
-              <a:rPr lang="sl-SI" dirty="0" smtClean="0"/>
-              <a:t>Animacija ob premikanju </a:t>
-            </a:r>
-            <a:r>
-              <a:rPr lang="sl-SI" dirty="0" smtClean="0"/>
-              <a:t>živali</a:t>
-            </a:r>
-          </a:p>
-          <a:p>
-            <a:r>
               <a:rPr lang="sl-SI" dirty="0" err="1" smtClean="0"/>
               <a:t>Gameplay</a:t>
             </a:r>
@@ -3878,7 +3865,334 @@
           </a:p>
         </p:txBody>
       </p:sp>
+      <p:pic>
+        <p:nvPicPr>
+          <p:cNvPr id="1026" name="Picture 2" descr="C:\Users\Miran\Desktop\jean_victor_balin_tick.png"/>
+          <p:cNvPicPr>
+            <a:picLocks noChangeAspect="1" noChangeArrowheads="1"/>
+          </p:cNvPicPr>
+          <p:nvPr/>
+        </p:nvPicPr>
+        <p:blipFill>
+          <a:blip r:embed="rId2" cstate="print">
+            <a:extLst>
+              <a:ext uri="{28A0092B-C50C-407E-A947-70E740481C1C}">
+                <a14:useLocalDpi xmlns:a14="http://schemas.microsoft.com/office/drawing/2010/main" val="0"/>
+              </a:ext>
+            </a:extLst>
+          </a:blip>
+          <a:srcRect/>
+          <a:stretch>
+            <a:fillRect/>
+          </a:stretch>
+        </p:blipFill>
+        <p:spPr bwMode="auto">
+          <a:xfrm>
+            <a:off x="3635896" y="1642642"/>
+            <a:ext cx="545637" cy="409228"/>
+          </a:xfrm>
+          <a:prstGeom prst="rect">
+            <a:avLst/>
+          </a:prstGeom>
+          <a:noFill/>
+          <a:extLst>
+            <a:ext uri="{909E8E84-426E-40DD-AFC4-6F175D3DCCD1}">
+              <a14:hiddenFill xmlns:a14="http://schemas.microsoft.com/office/drawing/2010/main">
+                <a:solidFill>
+                  <a:srgbClr val="FFFFFF"/>
+                </a:solidFill>
+              </a14:hiddenFill>
+            </a:ext>
+          </a:extLst>
+        </p:spPr>
+      </p:pic>
+      <p:pic>
+        <p:nvPicPr>
+          <p:cNvPr id="12" name="Picture 2" descr="C:\Users\Miran\Desktop\jean_victor_balin_tick.png"/>
+          <p:cNvPicPr>
+            <a:picLocks noChangeAspect="1" noChangeArrowheads="1"/>
+          </p:cNvPicPr>
+          <p:nvPr/>
+        </p:nvPicPr>
+        <p:blipFill>
+          <a:blip r:embed="rId2" cstate="print">
+            <a:extLst>
+              <a:ext uri="{28A0092B-C50C-407E-A947-70E740481C1C}">
+                <a14:useLocalDpi xmlns:a14="http://schemas.microsoft.com/office/drawing/2010/main" val="0"/>
+              </a:ext>
+            </a:extLst>
+          </a:blip>
+          <a:srcRect/>
+          <a:stretch>
+            <a:fillRect/>
+          </a:stretch>
+        </p:blipFill>
+        <p:spPr bwMode="auto">
+          <a:xfrm>
+            <a:off x="3881036" y="2132856"/>
+            <a:ext cx="545637" cy="409228"/>
+          </a:xfrm>
+          <a:prstGeom prst="rect">
+            <a:avLst/>
+          </a:prstGeom>
+          <a:noFill/>
+          <a:extLst>
+            <a:ext uri="{909E8E84-426E-40DD-AFC4-6F175D3DCCD1}">
+              <a14:hiddenFill xmlns:a14="http://schemas.microsoft.com/office/drawing/2010/main">
+                <a:solidFill>
+                  <a:srgbClr val="FFFFFF"/>
+                </a:solidFill>
+              </a14:hiddenFill>
+            </a:ext>
+          </a:extLst>
+        </p:spPr>
+      </p:pic>
+      <p:pic>
+        <p:nvPicPr>
+          <p:cNvPr id="14" name="Picture 2" descr="C:\Users\Miran\Desktop\jean_victor_balin_tick.png"/>
+          <p:cNvPicPr>
+            <a:picLocks noChangeAspect="1" noChangeArrowheads="1"/>
+          </p:cNvPicPr>
+          <p:nvPr/>
+        </p:nvPicPr>
+        <p:blipFill>
+          <a:blip r:embed="rId2" cstate="print">
+            <a:extLst>
+              <a:ext uri="{28A0092B-C50C-407E-A947-70E740481C1C}">
+                <a14:useLocalDpi xmlns:a14="http://schemas.microsoft.com/office/drawing/2010/main" val="0"/>
+              </a:ext>
+            </a:extLst>
+          </a:blip>
+          <a:srcRect/>
+          <a:stretch>
+            <a:fillRect/>
+          </a:stretch>
+        </p:blipFill>
+        <p:spPr bwMode="auto">
+          <a:xfrm>
+            <a:off x="2843808" y="4221088"/>
+            <a:ext cx="545637" cy="409228"/>
+          </a:xfrm>
+          <a:prstGeom prst="rect">
+            <a:avLst/>
+          </a:prstGeom>
+          <a:noFill/>
+          <a:extLst>
+            <a:ext uri="{909E8E84-426E-40DD-AFC4-6F175D3DCCD1}">
+              <a14:hiddenFill xmlns:a14="http://schemas.microsoft.com/office/drawing/2010/main">
+                <a:solidFill>
+                  <a:srgbClr val="FFFFFF"/>
+                </a:solidFill>
+              </a14:hiddenFill>
+            </a:ext>
+          </a:extLst>
+        </p:spPr>
+      </p:pic>
+      <p:pic>
+        <p:nvPicPr>
+          <p:cNvPr id="15" name="Picture 2" descr="C:\Users\Miran\Desktop\jean_victor_balin_tick.png"/>
+          <p:cNvPicPr>
+            <a:picLocks noChangeAspect="1" noChangeArrowheads="1"/>
+          </p:cNvPicPr>
+          <p:nvPr/>
+        </p:nvPicPr>
+        <p:blipFill>
+          <a:blip r:embed="rId2" cstate="print">
+            <a:extLst>
+              <a:ext uri="{28A0092B-C50C-407E-A947-70E740481C1C}">
+                <a14:useLocalDpi xmlns:a14="http://schemas.microsoft.com/office/drawing/2010/main" val="0"/>
+              </a:ext>
+            </a:extLst>
+          </a:blip>
+          <a:srcRect/>
+          <a:stretch>
+            <a:fillRect/>
+          </a:stretch>
+        </p:blipFill>
+        <p:spPr bwMode="auto">
+          <a:xfrm>
+            <a:off x="1996851" y="3645024"/>
+            <a:ext cx="545637" cy="409228"/>
+          </a:xfrm>
+          <a:prstGeom prst="rect">
+            <a:avLst/>
+          </a:prstGeom>
+          <a:noFill/>
+          <a:extLst>
+            <a:ext uri="{909E8E84-426E-40DD-AFC4-6F175D3DCCD1}">
+              <a14:hiddenFill xmlns:a14="http://schemas.microsoft.com/office/drawing/2010/main">
+                <a:solidFill>
+                  <a:srgbClr val="FFFFFF"/>
+                </a:solidFill>
+              </a14:hiddenFill>
+            </a:ext>
+          </a:extLst>
+        </p:spPr>
+      </p:pic>
+      <p:pic>
+        <p:nvPicPr>
+          <p:cNvPr id="16" name="Picture 2" descr="C:\Users\Miran\Desktop\jean_victor_balin_tick.png"/>
+          <p:cNvPicPr>
+            <a:picLocks noChangeAspect="1" noChangeArrowheads="1"/>
+          </p:cNvPicPr>
+          <p:nvPr/>
+        </p:nvPicPr>
+        <p:blipFill>
+          <a:blip r:embed="rId2" cstate="print">
+            <a:extLst>
+              <a:ext uri="{28A0092B-C50C-407E-A947-70E740481C1C}">
+                <a14:useLocalDpi xmlns:a14="http://schemas.microsoft.com/office/drawing/2010/main" val="0"/>
+              </a:ext>
+            </a:extLst>
+          </a:blip>
+          <a:srcRect/>
+          <a:stretch>
+            <a:fillRect/>
+          </a:stretch>
+        </p:blipFill>
+        <p:spPr bwMode="auto">
+          <a:xfrm>
+            <a:off x="2051720" y="3140968"/>
+            <a:ext cx="545637" cy="409228"/>
+          </a:xfrm>
+          <a:prstGeom prst="rect">
+            <a:avLst/>
+          </a:prstGeom>
+          <a:noFill/>
+          <a:extLst>
+            <a:ext uri="{909E8E84-426E-40DD-AFC4-6F175D3DCCD1}">
+              <a14:hiddenFill xmlns:a14="http://schemas.microsoft.com/office/drawing/2010/main">
+                <a:solidFill>
+                  <a:srgbClr val="FFFFFF"/>
+                </a:solidFill>
+              </a14:hiddenFill>
+            </a:ext>
+          </a:extLst>
+        </p:spPr>
+      </p:pic>
+      <p:pic>
+        <p:nvPicPr>
+          <p:cNvPr id="17" name="Picture 2" descr="C:\Users\Miran\Desktop\jean_victor_balin_tick.png"/>
+          <p:cNvPicPr>
+            <a:picLocks noChangeAspect="1" noChangeArrowheads="1"/>
+          </p:cNvPicPr>
+          <p:nvPr/>
+        </p:nvPicPr>
+        <p:blipFill>
+          <a:blip r:embed="rId2" cstate="print">
+            <a:extLst>
+              <a:ext uri="{28A0092B-C50C-407E-A947-70E740481C1C}">
+                <a14:useLocalDpi xmlns:a14="http://schemas.microsoft.com/office/drawing/2010/main" val="0"/>
+              </a:ext>
+            </a:extLst>
+          </a:blip>
+          <a:srcRect/>
+          <a:stretch>
+            <a:fillRect/>
+          </a:stretch>
+        </p:blipFill>
+        <p:spPr bwMode="auto">
+          <a:xfrm>
+            <a:off x="2195736" y="2636912"/>
+            <a:ext cx="545637" cy="409228"/>
+          </a:xfrm>
+          <a:prstGeom prst="rect">
+            <a:avLst/>
+          </a:prstGeom>
+          <a:noFill/>
+          <a:extLst>
+            <a:ext uri="{909E8E84-426E-40DD-AFC4-6F175D3DCCD1}">
+              <a14:hiddenFill xmlns:a14="http://schemas.microsoft.com/office/drawing/2010/main">
+                <a:solidFill>
+                  <a:srgbClr val="FFFFFF"/>
+                </a:solidFill>
+              </a14:hiddenFill>
+            </a:ext>
+          </a:extLst>
+        </p:spPr>
+      </p:pic>
     </p:spTree>
+  </p:cSld>
+  <p:clrMapOvr>
+    <a:masterClrMapping/>
+  </p:clrMapOvr>
+  <p:timing>
+    <p:tnLst>
+      <p:par>
+        <p:cTn id="1" dur="indefinite" restart="never" nodeType="tmRoot"/>
+      </p:par>
+    </p:tnLst>
+  </p:timing>
+</p:sld>
+</file>
+
+<file path=ppt/slides/slide5.xml><?xml version="1.0" encoding="utf-8"?>
+<p:sld xmlns:a="http://schemas.openxmlformats.org/drawingml/2006/main" xmlns:r="http://schemas.openxmlformats.org/officeDocument/2006/relationships" xmlns:p="http://schemas.openxmlformats.org/presentationml/2006/main">
+  <p:cSld>
+    <p:spTree>
+      <p:nvGrpSpPr>
+        <p:cNvPr id="1" name=""/>
+        <p:cNvGrpSpPr/>
+        <p:nvPr/>
+      </p:nvGrpSpPr>
+      <p:grpSpPr>
+        <a:xfrm>
+          <a:off x="0" y="0"/>
+          <a:ext cx="0" cy="0"/>
+          <a:chOff x="0" y="0"/>
+          <a:chExt cx="0" cy="0"/>
+        </a:xfrm>
+      </p:grpSpPr>
+      <p:sp>
+        <p:nvSpPr>
+          <p:cNvPr id="2" name="Naslov 1"/>
+          <p:cNvSpPr>
+            <a:spLocks noGrp="1"/>
+          </p:cNvSpPr>
+          <p:nvPr>
+            <p:ph type="title"/>
+          </p:nvPr>
+        </p:nvSpPr>
+        <p:spPr>
+          <a:xfrm>
+            <a:off x="395536" y="2204864"/>
+            <a:ext cx="8229600" cy="1143000"/>
+          </a:xfrm>
+        </p:spPr>
+        <p:txBody>
+          <a:bodyPr>
+            <a:normAutofit fontScale="90000"/>
+          </a:bodyPr>
+          <a:lstStyle/>
+          <a:p>
+            <a:r>
+              <a:rPr lang="sl-SI" dirty="0" smtClean="0"/>
+              <a:t>Hvala za pozornost</a:t>
+            </a:r>
+            <a:br>
+              <a:rPr lang="sl-SI" dirty="0" smtClean="0"/>
+            </a:br>
+            <a:r>
+              <a:rPr lang="sl-SI" dirty="0"/>
+              <a:t/>
+            </a:r>
+            <a:br>
+              <a:rPr lang="sl-SI" dirty="0"/>
+            </a:br>
+            <a:r>
+              <a:rPr lang="sl-SI" sz="9800" dirty="0" smtClean="0"/>
+              <a:t>?</a:t>
+            </a:r>
+            <a:endParaRPr lang="sl-SI" dirty="0"/>
+          </a:p>
+        </p:txBody>
+      </p:sp>
+    </p:spTree>
+    <p:extLst>
+      <p:ext uri="{BB962C8B-B14F-4D97-AF65-F5344CB8AC3E}">
+        <p14:creationId xmlns:p14="http://schemas.microsoft.com/office/powerpoint/2010/main" val="3932311189"/>
+      </p:ext>
+    </p:extLst>
   </p:cSld>
   <p:clrMapOvr>
     <a:masterClrMapping/>
